--- a/documents/Multiclass_Text_classification.pptx
+++ b/documents/Multiclass_Text_classification.pptx
@@ -5873,7 +5873,12 @@
             <p:ph type="subTitle" idx="1"/>
           </p:nvPr>
         </p:nvSpPr>
-        <p:spPr/>
+        <p:spPr>
+          <a:xfrm>
+            <a:off x="1398495" y="4050833"/>
+            <a:ext cx="7875508" cy="1096899"/>
+          </a:xfrm>
+        </p:spPr>
         <p:txBody>
           <a:bodyPr/>
           <a:lstStyle/>
@@ -5888,15 +5893,17 @@
             </a:r>
             <a:r>
               <a:rPr lang="bg-BG" dirty="0"/>
-              <a:t>ИС,Ф.Н </a:t>
+              <a:t> Ф.Н </a:t>
             </a:r>
             <a:r>
               <a:rPr lang="en-US" dirty="0"/>
-              <a:t>26470</a:t>
-            </a:r>
+              <a:t>26470,</a:t>
+            </a:r>
+          </a:p>
+          <a:p>
             <a:r>
               <a:rPr lang="bg-BG" dirty="0"/>
-              <a:t> </a:t>
+              <a:t>спец. Информационни системи </a:t>
             </a:r>
             <a:endParaRPr lang="en-US" dirty="0"/>
           </a:p>

--- a/documents/Multiclass_Text_classification.pptx
+++ b/documents/Multiclass_Text_classification.pptx
@@ -6722,19 +6722,25 @@
               <a:buChar char="•"/>
             </a:pPr>
             <a:r>
-              <a:rPr lang="bg-BG" sz="2400" dirty="0">
-                <a:effectLst/>
+              <a:rPr lang="bg-BG" sz="2400">
+                <a:latin typeface="Times New Roman" panose="02020603050405020304" pitchFamily="18" charset="0"/>
+                <a:cs typeface="Times New Roman" panose="02020603050405020304" pitchFamily="18" charset="0"/>
+              </a:rPr>
+              <a:t>Намаляване</a:t>
+            </a:r>
+            <a:r>
+              <a:rPr lang="bg-BG" sz="2400">
                 <a:latin typeface="Times New Roman" panose="02020603050405020304" pitchFamily="18" charset="0"/>
                 <a:ea typeface="Times New Roman" panose="02020603050405020304" pitchFamily="18" charset="0"/>
               </a:rPr>
-              <a:t>Н</a:t>
+              <a:t> </a:t>
             </a:r>
             <a:r>
               <a:rPr lang="bg-BG" sz="2400" dirty="0">
                 <a:latin typeface="Times New Roman" panose="02020603050405020304" pitchFamily="18" charset="0"/>
                 <a:ea typeface="Times New Roman" panose="02020603050405020304" pitchFamily="18" charset="0"/>
               </a:rPr>
-              <a:t>амаляне на размерността на пространството - </a:t>
+              <a:t>на размерността на пространството - </a:t>
             </a:r>
             <a:r>
               <a:rPr lang="en-US" sz="2400" dirty="0">
